--- a/www/workflow.pptx
+++ b/www/workflow.pptx
@@ -104,6 +104,22 @@
       </a:defRPr>
     </a:lvl9pPr>
   </p:defaultTextStyle>
+  <p:extLst>
+    <p:ext uri="{EFAFB233-063F-42B5-8137-9DF3F51BA10A}">
+      <p15:sldGuideLst xmlns:p15="http://schemas.microsoft.com/office/powerpoint/2012/main">
+        <p15:guide id="1" orient="horz" pos="2160">
+          <p15:clr>
+            <a:srgbClr val="A4A3A4"/>
+          </p15:clr>
+        </p15:guide>
+        <p15:guide id="2" pos="2880">
+          <p15:clr>
+            <a:srgbClr val="A4A3A4"/>
+          </p15:clr>
+        </p15:guide>
+      </p15:sldGuideLst>
+    </p:ext>
+  </p:extLst>
 </p:presentation>
 </file>
 
@@ -145,7 +161,7 @@
           <a:lstStyle/>
           <a:p>
             <a:r>
-              <a:rPr lang="fr-FR" smtClean="0"/>
+              <a:rPr lang="fr-FR"/>
               <a:t>Cliquez pour modifier le style du titre</a:t>
             </a:r>
             <a:endParaRPr lang="es-ES"/>
@@ -264,7 +280,7 @@
           </a:lstStyle>
           <a:p>
             <a:r>
-              <a:rPr lang="fr-FR" smtClean="0"/>
+              <a:rPr lang="fr-FR"/>
               <a:t>Cliquez pour modifier le style des sous-titres du masque</a:t>
             </a:r>
             <a:endParaRPr lang="es-ES"/>
@@ -289,7 +305,7 @@
             <a:fld id="{49B04FC1-DC99-4930-BDE4-DB4EA0B89A43}" type="datetimeFigureOut">
               <a:rPr lang="en-US" smtClean="0"/>
               <a:pPr/>
-              <a:t>6/28/2021</a:t>
+              <a:t>4/23/2022</a:t>
             </a:fld>
             <a:endParaRPr lang="es-ES"/>
           </a:p>
@@ -332,7 +348,7 @@
             <a:fld id="{A98C2380-1A0D-4F7B-8CF4-00DE2A2536AD}" type="slidenum">
               <a:rPr lang="es-ES" smtClean="0"/>
               <a:pPr/>
-              <a:t>‹N°›</a:t>
+              <a:t>‹#›</a:t>
             </a:fld>
             <a:endParaRPr lang="es-ES"/>
           </a:p>
@@ -379,7 +395,7 @@
           <a:lstStyle/>
           <a:p>
             <a:r>
-              <a:rPr lang="fr-FR" smtClean="0"/>
+              <a:rPr lang="fr-FR"/>
               <a:t>Cliquez pour modifier le style du titre</a:t>
             </a:r>
             <a:endParaRPr lang="es-ES"/>
@@ -403,35 +419,35 @@
           <a:p>
             <a:pPr lvl="0"/>
             <a:r>
-              <a:rPr lang="fr-FR" smtClean="0"/>
+              <a:rPr lang="fr-FR"/>
               <a:t>Cliquez pour modifier les styles du texte du masque</a:t>
             </a:r>
           </a:p>
           <a:p>
             <a:pPr lvl="1"/>
             <a:r>
-              <a:rPr lang="fr-FR" smtClean="0"/>
+              <a:rPr lang="fr-FR"/>
               <a:t>Deuxième niveau</a:t>
             </a:r>
           </a:p>
           <a:p>
             <a:pPr lvl="2"/>
             <a:r>
-              <a:rPr lang="fr-FR" smtClean="0"/>
+              <a:rPr lang="fr-FR"/>
               <a:t>Troisième niveau</a:t>
             </a:r>
           </a:p>
           <a:p>
             <a:pPr lvl="3"/>
             <a:r>
-              <a:rPr lang="fr-FR" smtClean="0"/>
+              <a:rPr lang="fr-FR"/>
               <a:t>Quatrième niveau</a:t>
             </a:r>
           </a:p>
           <a:p>
             <a:pPr lvl="4"/>
             <a:r>
-              <a:rPr lang="fr-FR" smtClean="0"/>
+              <a:rPr lang="fr-FR"/>
               <a:t>Cinquième niveau</a:t>
             </a:r>
             <a:endParaRPr lang="es-ES"/>
@@ -456,7 +472,7 @@
             <a:fld id="{49B04FC1-DC99-4930-BDE4-DB4EA0B89A43}" type="datetimeFigureOut">
               <a:rPr lang="en-US" smtClean="0"/>
               <a:pPr/>
-              <a:t>6/28/2021</a:t>
+              <a:t>4/23/2022</a:t>
             </a:fld>
             <a:endParaRPr lang="es-ES"/>
           </a:p>
@@ -499,7 +515,7 @@
             <a:fld id="{A98C2380-1A0D-4F7B-8CF4-00DE2A2536AD}" type="slidenum">
               <a:rPr lang="es-ES" smtClean="0"/>
               <a:pPr/>
-              <a:t>‹N°›</a:t>
+              <a:t>‹#›</a:t>
             </a:fld>
             <a:endParaRPr lang="es-ES"/>
           </a:p>
@@ -551,7 +567,7 @@
           <a:lstStyle/>
           <a:p>
             <a:r>
-              <a:rPr lang="fr-FR" smtClean="0"/>
+              <a:rPr lang="fr-FR"/>
               <a:t>Cliquez pour modifier le style du titre</a:t>
             </a:r>
             <a:endParaRPr lang="es-ES"/>
@@ -580,35 +596,35 @@
           <a:p>
             <a:pPr lvl="0"/>
             <a:r>
-              <a:rPr lang="fr-FR" smtClean="0"/>
+              <a:rPr lang="fr-FR"/>
               <a:t>Cliquez pour modifier les styles du texte du masque</a:t>
             </a:r>
           </a:p>
           <a:p>
             <a:pPr lvl="1"/>
             <a:r>
-              <a:rPr lang="fr-FR" smtClean="0"/>
+              <a:rPr lang="fr-FR"/>
               <a:t>Deuxième niveau</a:t>
             </a:r>
           </a:p>
           <a:p>
             <a:pPr lvl="2"/>
             <a:r>
-              <a:rPr lang="fr-FR" smtClean="0"/>
+              <a:rPr lang="fr-FR"/>
               <a:t>Troisième niveau</a:t>
             </a:r>
           </a:p>
           <a:p>
             <a:pPr lvl="3"/>
             <a:r>
-              <a:rPr lang="fr-FR" smtClean="0"/>
+              <a:rPr lang="fr-FR"/>
               <a:t>Quatrième niveau</a:t>
             </a:r>
           </a:p>
           <a:p>
             <a:pPr lvl="4"/>
             <a:r>
-              <a:rPr lang="fr-FR" smtClean="0"/>
+              <a:rPr lang="fr-FR"/>
               <a:t>Cinquième niveau</a:t>
             </a:r>
             <a:endParaRPr lang="es-ES"/>
@@ -633,7 +649,7 @@
             <a:fld id="{49B04FC1-DC99-4930-BDE4-DB4EA0B89A43}" type="datetimeFigureOut">
               <a:rPr lang="en-US" smtClean="0"/>
               <a:pPr/>
-              <a:t>6/28/2021</a:t>
+              <a:t>4/23/2022</a:t>
             </a:fld>
             <a:endParaRPr lang="es-ES"/>
           </a:p>
@@ -676,7 +692,7 @@
             <a:fld id="{A98C2380-1A0D-4F7B-8CF4-00DE2A2536AD}" type="slidenum">
               <a:rPr lang="es-ES" smtClean="0"/>
               <a:pPr/>
-              <a:t>‹N°›</a:t>
+              <a:t>‹#›</a:t>
             </a:fld>
             <a:endParaRPr lang="es-ES"/>
           </a:p>
@@ -723,7 +739,7 @@
           <a:lstStyle/>
           <a:p>
             <a:r>
-              <a:rPr lang="fr-FR" smtClean="0"/>
+              <a:rPr lang="fr-FR"/>
               <a:t>Cliquez pour modifier le style du titre</a:t>
             </a:r>
             <a:endParaRPr lang="es-ES"/>
@@ -747,35 +763,35 @@
           <a:p>
             <a:pPr lvl="0"/>
             <a:r>
-              <a:rPr lang="fr-FR" smtClean="0"/>
+              <a:rPr lang="fr-FR"/>
               <a:t>Cliquez pour modifier les styles du texte du masque</a:t>
             </a:r>
           </a:p>
           <a:p>
             <a:pPr lvl="1"/>
             <a:r>
-              <a:rPr lang="fr-FR" smtClean="0"/>
+              <a:rPr lang="fr-FR"/>
               <a:t>Deuxième niveau</a:t>
             </a:r>
           </a:p>
           <a:p>
             <a:pPr lvl="2"/>
             <a:r>
-              <a:rPr lang="fr-FR" smtClean="0"/>
+              <a:rPr lang="fr-FR"/>
               <a:t>Troisième niveau</a:t>
             </a:r>
           </a:p>
           <a:p>
             <a:pPr lvl="3"/>
             <a:r>
-              <a:rPr lang="fr-FR" smtClean="0"/>
+              <a:rPr lang="fr-FR"/>
               <a:t>Quatrième niveau</a:t>
             </a:r>
           </a:p>
           <a:p>
             <a:pPr lvl="4"/>
             <a:r>
-              <a:rPr lang="fr-FR" smtClean="0"/>
+              <a:rPr lang="fr-FR"/>
               <a:t>Cinquième niveau</a:t>
             </a:r>
             <a:endParaRPr lang="es-ES"/>
@@ -800,7 +816,7 @@
             <a:fld id="{49B04FC1-DC99-4930-BDE4-DB4EA0B89A43}" type="datetimeFigureOut">
               <a:rPr lang="en-US" smtClean="0"/>
               <a:pPr/>
-              <a:t>6/28/2021</a:t>
+              <a:t>4/23/2022</a:t>
             </a:fld>
             <a:endParaRPr lang="es-ES"/>
           </a:p>
@@ -843,7 +859,7 @@
             <a:fld id="{A98C2380-1A0D-4F7B-8CF4-00DE2A2536AD}" type="slidenum">
               <a:rPr lang="es-ES" smtClean="0"/>
               <a:pPr/>
-              <a:t>‹N°›</a:t>
+              <a:t>‹#›</a:t>
             </a:fld>
             <a:endParaRPr lang="es-ES"/>
           </a:p>
@@ -899,7 +915,7 @@
           </a:lstStyle>
           <a:p>
             <a:r>
-              <a:rPr lang="fr-FR" smtClean="0"/>
+              <a:rPr lang="fr-FR"/>
               <a:t>Cliquez pour modifier le style du titre</a:t>
             </a:r>
             <a:endParaRPr lang="es-ES"/>
@@ -1019,7 +1035,7 @@
           <a:p>
             <a:pPr lvl="0"/>
             <a:r>
-              <a:rPr lang="fr-FR" smtClean="0"/>
+              <a:rPr lang="fr-FR"/>
               <a:t>Cliquez pour modifier les styles du texte du masque</a:t>
             </a:r>
           </a:p>
@@ -1043,7 +1059,7 @@
             <a:fld id="{49B04FC1-DC99-4930-BDE4-DB4EA0B89A43}" type="datetimeFigureOut">
               <a:rPr lang="en-US" smtClean="0"/>
               <a:pPr/>
-              <a:t>6/28/2021</a:t>
+              <a:t>4/23/2022</a:t>
             </a:fld>
             <a:endParaRPr lang="es-ES"/>
           </a:p>
@@ -1086,7 +1102,7 @@
             <a:fld id="{A98C2380-1A0D-4F7B-8CF4-00DE2A2536AD}" type="slidenum">
               <a:rPr lang="es-ES" smtClean="0"/>
               <a:pPr/>
-              <a:t>‹N°›</a:t>
+              <a:t>‹#›</a:t>
             </a:fld>
             <a:endParaRPr lang="es-ES"/>
           </a:p>
@@ -1133,7 +1149,7 @@
           <a:lstStyle/>
           <a:p>
             <a:r>
-              <a:rPr lang="fr-FR" smtClean="0"/>
+              <a:rPr lang="fr-FR"/>
               <a:t>Cliquez pour modifier le style du titre</a:t>
             </a:r>
             <a:endParaRPr lang="es-ES"/>
@@ -1190,35 +1206,35 @@
           <a:p>
             <a:pPr lvl="0"/>
             <a:r>
-              <a:rPr lang="fr-FR" smtClean="0"/>
+              <a:rPr lang="fr-FR"/>
               <a:t>Cliquez pour modifier les styles du texte du masque</a:t>
             </a:r>
           </a:p>
           <a:p>
             <a:pPr lvl="1"/>
             <a:r>
-              <a:rPr lang="fr-FR" smtClean="0"/>
+              <a:rPr lang="fr-FR"/>
               <a:t>Deuxième niveau</a:t>
             </a:r>
           </a:p>
           <a:p>
             <a:pPr lvl="2"/>
             <a:r>
-              <a:rPr lang="fr-FR" smtClean="0"/>
+              <a:rPr lang="fr-FR"/>
               <a:t>Troisième niveau</a:t>
             </a:r>
           </a:p>
           <a:p>
             <a:pPr lvl="3"/>
             <a:r>
-              <a:rPr lang="fr-FR" smtClean="0"/>
+              <a:rPr lang="fr-FR"/>
               <a:t>Quatrième niveau</a:t>
             </a:r>
           </a:p>
           <a:p>
             <a:pPr lvl="4"/>
             <a:r>
-              <a:rPr lang="fr-FR" smtClean="0"/>
+              <a:rPr lang="fr-FR"/>
               <a:t>Cinquième niveau</a:t>
             </a:r>
             <a:endParaRPr lang="es-ES"/>
@@ -1275,35 +1291,35 @@
           <a:p>
             <a:pPr lvl="0"/>
             <a:r>
-              <a:rPr lang="fr-FR" smtClean="0"/>
+              <a:rPr lang="fr-FR"/>
               <a:t>Cliquez pour modifier les styles du texte du masque</a:t>
             </a:r>
           </a:p>
           <a:p>
             <a:pPr lvl="1"/>
             <a:r>
-              <a:rPr lang="fr-FR" smtClean="0"/>
+              <a:rPr lang="fr-FR"/>
               <a:t>Deuxième niveau</a:t>
             </a:r>
           </a:p>
           <a:p>
             <a:pPr lvl="2"/>
             <a:r>
-              <a:rPr lang="fr-FR" smtClean="0"/>
+              <a:rPr lang="fr-FR"/>
               <a:t>Troisième niveau</a:t>
             </a:r>
           </a:p>
           <a:p>
             <a:pPr lvl="3"/>
             <a:r>
-              <a:rPr lang="fr-FR" smtClean="0"/>
+              <a:rPr lang="fr-FR"/>
               <a:t>Quatrième niveau</a:t>
             </a:r>
           </a:p>
           <a:p>
             <a:pPr lvl="4"/>
             <a:r>
-              <a:rPr lang="fr-FR" smtClean="0"/>
+              <a:rPr lang="fr-FR"/>
               <a:t>Cinquième niveau</a:t>
             </a:r>
             <a:endParaRPr lang="es-ES"/>
@@ -1328,7 +1344,7 @@
             <a:fld id="{49B04FC1-DC99-4930-BDE4-DB4EA0B89A43}" type="datetimeFigureOut">
               <a:rPr lang="en-US" smtClean="0"/>
               <a:pPr/>
-              <a:t>6/28/2021</a:t>
+              <a:t>4/23/2022</a:t>
             </a:fld>
             <a:endParaRPr lang="es-ES"/>
           </a:p>
@@ -1371,7 +1387,7 @@
             <a:fld id="{A98C2380-1A0D-4F7B-8CF4-00DE2A2536AD}" type="slidenum">
               <a:rPr lang="es-ES" smtClean="0"/>
               <a:pPr/>
-              <a:t>‹N°›</a:t>
+              <a:t>‹#›</a:t>
             </a:fld>
             <a:endParaRPr lang="es-ES"/>
           </a:p>
@@ -1422,7 +1438,7 @@
           </a:lstStyle>
           <a:p>
             <a:r>
-              <a:rPr lang="fr-FR" smtClean="0"/>
+              <a:rPr lang="fr-FR"/>
               <a:t>Cliquez pour modifier le style du titre</a:t>
             </a:r>
             <a:endParaRPr lang="es-ES"/>
@@ -1488,7 +1504,7 @@
           <a:p>
             <a:pPr lvl="0"/>
             <a:r>
-              <a:rPr lang="fr-FR" smtClean="0"/>
+              <a:rPr lang="fr-FR"/>
               <a:t>Cliquez pour modifier les styles du texte du masque</a:t>
             </a:r>
           </a:p>
@@ -1544,35 +1560,35 @@
           <a:p>
             <a:pPr lvl="0"/>
             <a:r>
-              <a:rPr lang="fr-FR" smtClean="0"/>
+              <a:rPr lang="fr-FR"/>
               <a:t>Cliquez pour modifier les styles du texte du masque</a:t>
             </a:r>
           </a:p>
           <a:p>
             <a:pPr lvl="1"/>
             <a:r>
-              <a:rPr lang="fr-FR" smtClean="0"/>
+              <a:rPr lang="fr-FR"/>
               <a:t>Deuxième niveau</a:t>
             </a:r>
           </a:p>
           <a:p>
             <a:pPr lvl="2"/>
             <a:r>
-              <a:rPr lang="fr-FR" smtClean="0"/>
+              <a:rPr lang="fr-FR"/>
               <a:t>Troisième niveau</a:t>
             </a:r>
           </a:p>
           <a:p>
             <a:pPr lvl="3"/>
             <a:r>
-              <a:rPr lang="fr-FR" smtClean="0"/>
+              <a:rPr lang="fr-FR"/>
               <a:t>Quatrième niveau</a:t>
             </a:r>
           </a:p>
           <a:p>
             <a:pPr lvl="4"/>
             <a:r>
-              <a:rPr lang="fr-FR" smtClean="0"/>
+              <a:rPr lang="fr-FR"/>
               <a:t>Cinquième niveau</a:t>
             </a:r>
             <a:endParaRPr lang="es-ES"/>
@@ -1638,7 +1654,7 @@
           <a:p>
             <a:pPr lvl="0"/>
             <a:r>
-              <a:rPr lang="fr-FR" smtClean="0"/>
+              <a:rPr lang="fr-FR"/>
               <a:t>Cliquez pour modifier les styles du texte du masque</a:t>
             </a:r>
           </a:p>
@@ -1694,35 +1710,35 @@
           <a:p>
             <a:pPr lvl="0"/>
             <a:r>
-              <a:rPr lang="fr-FR" smtClean="0"/>
+              <a:rPr lang="fr-FR"/>
               <a:t>Cliquez pour modifier les styles du texte du masque</a:t>
             </a:r>
           </a:p>
           <a:p>
             <a:pPr lvl="1"/>
             <a:r>
-              <a:rPr lang="fr-FR" smtClean="0"/>
+              <a:rPr lang="fr-FR"/>
               <a:t>Deuxième niveau</a:t>
             </a:r>
           </a:p>
           <a:p>
             <a:pPr lvl="2"/>
             <a:r>
-              <a:rPr lang="fr-FR" smtClean="0"/>
+              <a:rPr lang="fr-FR"/>
               <a:t>Troisième niveau</a:t>
             </a:r>
           </a:p>
           <a:p>
             <a:pPr lvl="3"/>
             <a:r>
-              <a:rPr lang="fr-FR" smtClean="0"/>
+              <a:rPr lang="fr-FR"/>
               <a:t>Quatrième niveau</a:t>
             </a:r>
           </a:p>
           <a:p>
             <a:pPr lvl="4"/>
             <a:r>
-              <a:rPr lang="fr-FR" smtClean="0"/>
+              <a:rPr lang="fr-FR"/>
               <a:t>Cinquième niveau</a:t>
             </a:r>
             <a:endParaRPr lang="es-ES"/>
@@ -1747,7 +1763,7 @@
             <a:fld id="{49B04FC1-DC99-4930-BDE4-DB4EA0B89A43}" type="datetimeFigureOut">
               <a:rPr lang="en-US" smtClean="0"/>
               <a:pPr/>
-              <a:t>6/28/2021</a:t>
+              <a:t>4/23/2022</a:t>
             </a:fld>
             <a:endParaRPr lang="es-ES"/>
           </a:p>
@@ -1790,7 +1806,7 @@
             <a:fld id="{A98C2380-1A0D-4F7B-8CF4-00DE2A2536AD}" type="slidenum">
               <a:rPr lang="es-ES" smtClean="0"/>
               <a:pPr/>
-              <a:t>‹N°›</a:t>
+              <a:t>‹#›</a:t>
             </a:fld>
             <a:endParaRPr lang="es-ES"/>
           </a:p>
@@ -1837,7 +1853,7 @@
           <a:lstStyle/>
           <a:p>
             <a:r>
-              <a:rPr lang="fr-FR" smtClean="0"/>
+              <a:rPr lang="fr-FR"/>
               <a:t>Cliquez pour modifier le style du titre</a:t>
             </a:r>
             <a:endParaRPr lang="es-ES"/>
@@ -1862,7 +1878,7 @@
             <a:fld id="{49B04FC1-DC99-4930-BDE4-DB4EA0B89A43}" type="datetimeFigureOut">
               <a:rPr lang="en-US" smtClean="0"/>
               <a:pPr/>
-              <a:t>6/28/2021</a:t>
+              <a:t>4/23/2022</a:t>
             </a:fld>
             <a:endParaRPr lang="es-ES"/>
           </a:p>
@@ -1905,7 +1921,7 @@
             <a:fld id="{A98C2380-1A0D-4F7B-8CF4-00DE2A2536AD}" type="slidenum">
               <a:rPr lang="es-ES" smtClean="0"/>
               <a:pPr/>
-              <a:t>‹N°›</a:t>
+              <a:t>‹#›</a:t>
             </a:fld>
             <a:endParaRPr lang="es-ES"/>
           </a:p>
@@ -1954,7 +1970,7 @@
             <a:fld id="{49B04FC1-DC99-4930-BDE4-DB4EA0B89A43}" type="datetimeFigureOut">
               <a:rPr lang="en-US" smtClean="0"/>
               <a:pPr/>
-              <a:t>6/28/2021</a:t>
+              <a:t>4/23/2022</a:t>
             </a:fld>
             <a:endParaRPr lang="es-ES"/>
           </a:p>
@@ -1997,7 +2013,7 @@
             <a:fld id="{A98C2380-1A0D-4F7B-8CF4-00DE2A2536AD}" type="slidenum">
               <a:rPr lang="es-ES" smtClean="0"/>
               <a:pPr/>
-              <a:t>‹N°›</a:t>
+              <a:t>‹#›</a:t>
             </a:fld>
             <a:endParaRPr lang="es-ES"/>
           </a:p>
@@ -2053,7 +2069,7 @@
           </a:lstStyle>
           <a:p>
             <a:r>
-              <a:rPr lang="fr-FR" smtClean="0"/>
+              <a:rPr lang="fr-FR"/>
               <a:t>Cliquez pour modifier le style du titre</a:t>
             </a:r>
             <a:endParaRPr lang="es-ES"/>
@@ -2110,35 +2126,35 @@
           <a:p>
             <a:pPr lvl="0"/>
             <a:r>
-              <a:rPr lang="fr-FR" smtClean="0"/>
+              <a:rPr lang="fr-FR"/>
               <a:t>Cliquez pour modifier les styles du texte du masque</a:t>
             </a:r>
           </a:p>
           <a:p>
             <a:pPr lvl="1"/>
             <a:r>
-              <a:rPr lang="fr-FR" smtClean="0"/>
+              <a:rPr lang="fr-FR"/>
               <a:t>Deuxième niveau</a:t>
             </a:r>
           </a:p>
           <a:p>
             <a:pPr lvl="2"/>
             <a:r>
-              <a:rPr lang="fr-FR" smtClean="0"/>
+              <a:rPr lang="fr-FR"/>
               <a:t>Troisième niveau</a:t>
             </a:r>
           </a:p>
           <a:p>
             <a:pPr lvl="3"/>
             <a:r>
-              <a:rPr lang="fr-FR" smtClean="0"/>
+              <a:rPr lang="fr-FR"/>
               <a:t>Quatrième niveau</a:t>
             </a:r>
           </a:p>
           <a:p>
             <a:pPr lvl="4"/>
             <a:r>
-              <a:rPr lang="fr-FR" smtClean="0"/>
+              <a:rPr lang="fr-FR"/>
               <a:t>Cinquième niveau</a:t>
             </a:r>
             <a:endParaRPr lang="es-ES"/>
@@ -2204,7 +2220,7 @@
           <a:p>
             <a:pPr lvl="0"/>
             <a:r>
-              <a:rPr lang="fr-FR" smtClean="0"/>
+              <a:rPr lang="fr-FR"/>
               <a:t>Cliquez pour modifier les styles du texte du masque</a:t>
             </a:r>
           </a:p>
@@ -2228,7 +2244,7 @@
             <a:fld id="{49B04FC1-DC99-4930-BDE4-DB4EA0B89A43}" type="datetimeFigureOut">
               <a:rPr lang="en-US" smtClean="0"/>
               <a:pPr/>
-              <a:t>6/28/2021</a:t>
+              <a:t>4/23/2022</a:t>
             </a:fld>
             <a:endParaRPr lang="es-ES"/>
           </a:p>
@@ -2271,7 +2287,7 @@
             <a:fld id="{A98C2380-1A0D-4F7B-8CF4-00DE2A2536AD}" type="slidenum">
               <a:rPr lang="es-ES" smtClean="0"/>
               <a:pPr/>
-              <a:t>‹N°›</a:t>
+              <a:t>‹#›</a:t>
             </a:fld>
             <a:endParaRPr lang="es-ES"/>
           </a:p>
@@ -2327,7 +2343,7 @@
           </a:lstStyle>
           <a:p>
             <a:r>
-              <a:rPr lang="fr-FR" smtClean="0"/>
+              <a:rPr lang="fr-FR"/>
               <a:t>Cliquez pour modifier le style du titre</a:t>
             </a:r>
             <a:endParaRPr lang="es-ES"/>
@@ -2454,7 +2470,7 @@
           <a:p>
             <a:pPr lvl="0"/>
             <a:r>
-              <a:rPr lang="fr-FR" smtClean="0"/>
+              <a:rPr lang="fr-FR"/>
               <a:t>Cliquez pour modifier les styles du texte du masque</a:t>
             </a:r>
           </a:p>
@@ -2478,7 +2494,7 @@
             <a:fld id="{49B04FC1-DC99-4930-BDE4-DB4EA0B89A43}" type="datetimeFigureOut">
               <a:rPr lang="en-US" smtClean="0"/>
               <a:pPr/>
-              <a:t>6/28/2021</a:t>
+              <a:t>4/23/2022</a:t>
             </a:fld>
             <a:endParaRPr lang="es-ES"/>
           </a:p>
@@ -2521,7 +2537,7 @@
             <a:fld id="{A98C2380-1A0D-4F7B-8CF4-00DE2A2536AD}" type="slidenum">
               <a:rPr lang="es-ES" smtClean="0"/>
               <a:pPr/>
-              <a:t>‹N°›</a:t>
+              <a:t>‹#›</a:t>
             </a:fld>
             <a:endParaRPr lang="es-ES"/>
           </a:p>
@@ -2583,7 +2599,7 @@
           <a:lstStyle/>
           <a:p>
             <a:r>
-              <a:rPr lang="fr-FR" smtClean="0"/>
+              <a:rPr lang="fr-FR"/>
               <a:t>Cliquez pour modifier le style du titre</a:t>
             </a:r>
             <a:endParaRPr lang="es-ES"/>
@@ -2617,35 +2633,35 @@
           <a:p>
             <a:pPr lvl="0"/>
             <a:r>
-              <a:rPr lang="fr-FR" smtClean="0"/>
+              <a:rPr lang="fr-FR"/>
               <a:t>Cliquez pour modifier les styles du texte du masque</a:t>
             </a:r>
           </a:p>
           <a:p>
             <a:pPr lvl="1"/>
             <a:r>
-              <a:rPr lang="fr-FR" smtClean="0"/>
+              <a:rPr lang="fr-FR"/>
               <a:t>Deuxième niveau</a:t>
             </a:r>
           </a:p>
           <a:p>
             <a:pPr lvl="2"/>
             <a:r>
-              <a:rPr lang="fr-FR" smtClean="0"/>
+              <a:rPr lang="fr-FR"/>
               <a:t>Troisième niveau</a:t>
             </a:r>
           </a:p>
           <a:p>
             <a:pPr lvl="3"/>
             <a:r>
-              <a:rPr lang="fr-FR" smtClean="0"/>
+              <a:rPr lang="fr-FR"/>
               <a:t>Quatrième niveau</a:t>
             </a:r>
           </a:p>
           <a:p>
             <a:pPr lvl="4"/>
             <a:r>
-              <a:rPr lang="fr-FR" smtClean="0"/>
+              <a:rPr lang="fr-FR"/>
               <a:t>Cinquième niveau</a:t>
             </a:r>
             <a:endParaRPr lang="es-ES"/>
@@ -2688,7 +2704,7 @@
             <a:fld id="{49B04FC1-DC99-4930-BDE4-DB4EA0B89A43}" type="datetimeFigureOut">
               <a:rPr lang="en-US" smtClean="0"/>
               <a:pPr/>
-              <a:t>6/28/2021</a:t>
+              <a:t>4/23/2022</a:t>
             </a:fld>
             <a:endParaRPr lang="es-ES"/>
           </a:p>
@@ -2767,7 +2783,7 @@
             <a:fld id="{A98C2380-1A0D-4F7B-8CF4-00DE2A2536AD}" type="slidenum">
               <a:rPr lang="es-ES" smtClean="0"/>
               <a:pPr/>
-              <a:t>‹N°›</a:t>
+              <a:t>‹#›</a:t>
             </a:fld>
             <a:endParaRPr lang="es-ES"/>
           </a:p>
@@ -3140,7 +3156,7 @@
         </p:nvSpPr>
         <p:spPr>
           <a:xfrm>
-            <a:off x="4267200" y="533400"/>
+            <a:off x="4343400" y="533400"/>
             <a:ext cx="3124200" cy="1524000"/>
           </a:xfrm>
           <a:prstGeom prst="rect">
@@ -3167,10 +3183,10 @@
           <a:p>
             <a:pPr algn="ctr"/>
             <a:r>
-              <a:rPr lang="es-ES" sz="2400" b="1" dirty="0" smtClean="0"/>
+              <a:rPr lang="es-ES" sz="2400" b="1" dirty="0"/>
               <a:t>NEXUS</a:t>
             </a:r>
-            <a:endParaRPr lang="es-ES" b="1" dirty="0" smtClean="0"/>
+            <a:endParaRPr lang="es-ES" b="1" dirty="0"/>
           </a:p>
           <a:p>
             <a:pPr algn="ctr"/>
@@ -3178,7 +3194,7 @@
           </a:p>
           <a:p>
             <a:pPr algn="ctr"/>
-            <a:endParaRPr lang="es-ES" dirty="0" smtClean="0"/>
+            <a:endParaRPr lang="es-ES" dirty="0"/>
           </a:p>
           <a:p>
             <a:pPr algn="ctr"/>
@@ -3194,8 +3210,8 @@
         </p:nvSpPr>
         <p:spPr>
           <a:xfrm>
-            <a:off x="457200" y="533400"/>
-            <a:ext cx="2057400" cy="1447800"/>
+            <a:off x="304799" y="533400"/>
+            <a:ext cx="2590801" cy="1447800"/>
           </a:xfrm>
           <a:prstGeom prst="rect">
             <a:avLst/>
@@ -3221,38 +3237,75 @@
           <a:p>
             <a:pPr algn="ctr"/>
             <a:r>
-              <a:rPr lang="es-ES" sz="1600" b="1" dirty="0" smtClean="0"/>
-              <a:t>PHOTOGRAMMETRY</a:t>
-            </a:r>
+              <a:rPr lang="es-ES" sz="1600" b="1" dirty="0"/>
+              <a:t>- </a:t>
+            </a:r>
+            <a:r>
+              <a:rPr lang="es-ES" sz="1600" b="1" dirty="0" err="1"/>
+              <a:t>LiDAR</a:t>
+            </a:r>
+            <a:endParaRPr lang="es-ES" sz="1600" b="1" dirty="0"/>
           </a:p>
           <a:p>
             <a:pPr algn="ctr"/>
             <a:r>
-              <a:rPr lang="es-ES" sz="1600" i="1" dirty="0" err="1" smtClean="0"/>
-              <a:t>or</a:t>
-            </a:r>
-            <a:endParaRPr lang="es-ES" sz="1600" i="1" dirty="0" smtClean="0"/>
+              <a:rPr lang="es-ES" sz="1600" b="1" dirty="0"/>
+              <a:t>- </a:t>
+            </a:r>
+            <a:r>
+              <a:rPr lang="es-ES" sz="1600" b="1" dirty="0" err="1"/>
+              <a:t>Aerial</a:t>
+            </a:r>
+            <a:r>
+              <a:rPr lang="es-ES" sz="1600" b="1" dirty="0"/>
+              <a:t> </a:t>
+            </a:r>
+            <a:r>
+              <a:rPr lang="es-ES" sz="1600" b="1" dirty="0" err="1"/>
+              <a:t>Photogrammetry</a:t>
+            </a:r>
+            <a:endParaRPr lang="es-ES" sz="1600" b="1" dirty="0"/>
           </a:p>
           <a:p>
             <a:pPr algn="ctr"/>
             <a:r>
-              <a:rPr lang="es-ES" sz="1600" b="1" dirty="0" smtClean="0"/>
-              <a:t>LASERGRAMMETRY</a:t>
-            </a:r>
+              <a:rPr lang="es-ES" sz="1600" b="1" dirty="0"/>
+              <a:t>- </a:t>
+            </a:r>
+            <a:r>
+              <a:rPr lang="es-ES" sz="1600" b="1" dirty="0" err="1"/>
+              <a:t>Close</a:t>
+            </a:r>
+            <a:r>
+              <a:rPr lang="es-ES" sz="1600" b="1" dirty="0"/>
+              <a:t>-up </a:t>
+            </a:r>
+            <a:r>
+              <a:rPr lang="es-ES" sz="1600" b="1" dirty="0" err="1"/>
+              <a:t>Photogrammetry</a:t>
+            </a:r>
+            <a:endParaRPr lang="es-ES" sz="1600" dirty="0"/>
           </a:p>
           <a:p>
             <a:pPr algn="ctr"/>
             <a:r>
-              <a:rPr lang="es-ES" sz="1600" i="1" dirty="0" err="1" smtClean="0"/>
-              <a:t>or</a:t>
-            </a:r>
-            <a:endParaRPr lang="es-ES" sz="1600" i="1" dirty="0" smtClean="0"/>
-          </a:p>
-          <a:p>
-            <a:pPr algn="ctr"/>
-            <a:r>
-              <a:rPr lang="es-ES" sz="1600" b="1" dirty="0" smtClean="0"/>
-              <a:t>MICROSCOPY</a:t>
+              <a:rPr lang="es-ES" sz="1600" b="1" dirty="0"/>
+              <a:t>- </a:t>
+            </a:r>
+            <a:r>
+              <a:rPr lang="es-ES" sz="1600" b="1" dirty="0" err="1"/>
+              <a:t>Lasergrammetry</a:t>
+            </a:r>
+            <a:endParaRPr lang="es-ES" sz="1600" b="1" dirty="0"/>
+          </a:p>
+          <a:p>
+            <a:pPr marL="285750" indent="-285750" algn="ctr">
+              <a:buFontTx/>
+              <a:buChar char="-"/>
+            </a:pPr>
+            <a:r>
+              <a:rPr lang="es-ES" sz="1600" b="1" dirty="0" err="1"/>
+              <a:t>Microscopy</a:t>
             </a:r>
             <a:endParaRPr lang="es-ES" sz="1600" b="1" dirty="0"/>
           </a:p>
@@ -3266,7 +3319,7 @@
         </p:nvSpPr>
         <p:spPr>
           <a:xfrm>
-            <a:off x="2971800" y="1524000"/>
+            <a:off x="3200400" y="1524000"/>
             <a:ext cx="838200" cy="609600"/>
           </a:xfrm>
           <a:prstGeom prst="flowChartMultidocument">
@@ -3300,11 +3353,11 @@
           <a:p>
             <a:pPr algn="ctr"/>
             <a:r>
-              <a:rPr lang="es-ES" b="1" dirty="0" smtClean="0"/>
+              <a:rPr lang="es-ES" b="1" dirty="0"/>
               <a:t>.</a:t>
             </a:r>
             <a:r>
-              <a:rPr lang="es-ES" b="1" dirty="0" err="1" smtClean="0"/>
+              <a:rPr lang="es-ES" b="1" dirty="0" err="1"/>
               <a:t>obj</a:t>
             </a:r>
             <a:endParaRPr lang="es-ES" b="1" dirty="0"/>
@@ -3319,7 +3372,7 @@
         </p:nvSpPr>
         <p:spPr>
           <a:xfrm>
-            <a:off x="2971800" y="457200"/>
+            <a:off x="3200400" y="457200"/>
             <a:ext cx="838200" cy="609600"/>
           </a:xfrm>
           <a:prstGeom prst="flowChartDocument">
@@ -3353,11 +3406,11 @@
           <a:p>
             <a:pPr algn="ctr"/>
             <a:r>
-              <a:rPr lang="es-ES" b="1" dirty="0" smtClean="0"/>
+              <a:rPr lang="es-ES" b="1" dirty="0"/>
               <a:t>.</a:t>
             </a:r>
             <a:r>
-              <a:rPr lang="es-ES" b="1" dirty="0" err="1" smtClean="0"/>
+              <a:rPr lang="es-ES" b="1" dirty="0" err="1"/>
               <a:t>ply</a:t>
             </a:r>
             <a:endParaRPr lang="es-ES" b="1" dirty="0"/>
@@ -3368,6 +3421,7 @@
         <p:nvCxnSpPr>
           <p:cNvPr id="8" name="Connecteur en angle 7"/>
           <p:cNvCxnSpPr>
+            <a:cxnSpLocks/>
             <a:stCxn id="4" idx="3"/>
             <a:endCxn id="5" idx="1"/>
           </p:cNvCxnSpPr>
@@ -3375,8 +3429,8 @@
         </p:nvCxnSpPr>
         <p:spPr>
           <a:xfrm>
-            <a:off x="2514600" y="1257300"/>
-            <a:ext cx="457200" cy="571500"/>
+            <a:off x="2895600" y="1257300"/>
+            <a:ext cx="304800" cy="571500"/>
           </a:xfrm>
           <a:prstGeom prst="bentConnector3">
             <a:avLst>
@@ -3406,6 +3460,7 @@
         <p:nvCxnSpPr>
           <p:cNvPr id="11" name="Connecteur en angle 10"/>
           <p:cNvCxnSpPr>
+            <a:cxnSpLocks/>
             <a:stCxn id="4" idx="3"/>
             <a:endCxn id="6" idx="1"/>
           </p:cNvCxnSpPr>
@@ -3413,8 +3468,8 @@
         </p:nvCxnSpPr>
         <p:spPr>
           <a:xfrm flipV="1">
-            <a:off x="2514600" y="762000"/>
-            <a:ext cx="457200" cy="495300"/>
+            <a:off x="2895600" y="762000"/>
+            <a:ext cx="304800" cy="495300"/>
           </a:xfrm>
           <a:prstGeom prst="bentConnector3">
             <a:avLst>
@@ -3448,7 +3503,7 @@
         </p:nvSpPr>
         <p:spPr>
           <a:xfrm>
-            <a:off x="3276600" y="1066800"/>
+            <a:off x="3505200" y="1066800"/>
             <a:ext cx="386644" cy="369332"/>
           </a:xfrm>
           <a:prstGeom prst="rect">
@@ -3463,7 +3518,7 @@
           <a:lstStyle/>
           <a:p>
             <a:r>
-              <a:rPr lang="es-ES" i="1" dirty="0" err="1" smtClean="0"/>
+              <a:rPr lang="es-ES" i="1" dirty="0" err="1"/>
               <a:t>or</a:t>
             </a:r>
             <a:endParaRPr lang="es-ES" i="1" dirty="0"/>
@@ -3478,7 +3533,7 @@
         </p:nvSpPr>
         <p:spPr>
           <a:xfrm>
-            <a:off x="4419600" y="1295400"/>
+            <a:off x="4495800" y="1295400"/>
             <a:ext cx="1066800" cy="533400"/>
           </a:xfrm>
           <a:prstGeom prst="rect">
@@ -3512,7 +3567,7 @@
           <a:p>
             <a:pPr algn="ctr"/>
             <a:r>
-              <a:rPr lang="en-US" i="1" dirty="0" err="1" smtClean="0"/>
+              <a:rPr lang="en-US" i="1" dirty="0" err="1"/>
               <a:t>nxsbuild</a:t>
             </a:r>
             <a:endParaRPr lang="es-ES" i="1" dirty="0"/>
@@ -3527,7 +3582,7 @@
         </p:nvSpPr>
         <p:spPr>
           <a:xfrm>
-            <a:off x="5715000" y="1295400"/>
+            <a:off x="5791200" y="1295400"/>
             <a:ext cx="1524000" cy="533400"/>
           </a:xfrm>
           <a:prstGeom prst="rect">
@@ -3561,7 +3616,7 @@
           <a:p>
             <a:pPr algn="ctr"/>
             <a:r>
-              <a:rPr lang="en-US" i="1" dirty="0" err="1" smtClean="0"/>
+              <a:rPr lang="en-US" i="1" dirty="0" err="1"/>
               <a:t>nxscompress</a:t>
             </a:r>
             <a:endParaRPr lang="es-ES" i="1" dirty="0"/>
@@ -3610,11 +3665,11 @@
           <a:p>
             <a:pPr algn="ctr"/>
             <a:r>
-              <a:rPr lang="es-ES" b="1" dirty="0" smtClean="0"/>
+              <a:rPr lang="es-ES" b="1" dirty="0"/>
               <a:t>.</a:t>
             </a:r>
             <a:r>
-              <a:rPr lang="es-ES" b="1" dirty="0" err="1" smtClean="0"/>
+              <a:rPr lang="es-ES" b="1" dirty="0" err="1"/>
               <a:t>nxz</a:t>
             </a:r>
             <a:endParaRPr lang="es-ES" b="1" dirty="0"/>
@@ -3632,8 +3687,8 @@
         </p:nvCxnSpPr>
         <p:spPr>
           <a:xfrm>
-            <a:off x="7391400" y="1295400"/>
-            <a:ext cx="304800" cy="1588"/>
+            <a:off x="7467600" y="1295400"/>
+            <a:ext cx="228600" cy="0"/>
           </a:xfrm>
           <a:prstGeom prst="straightConnector1">
             <a:avLst/>
@@ -3668,8 +3723,8 @@
         </p:nvCxnSpPr>
         <p:spPr>
           <a:xfrm>
-            <a:off x="3810000" y="762000"/>
-            <a:ext cx="457200" cy="533400"/>
+            <a:off x="4038600" y="762000"/>
+            <a:ext cx="304800" cy="533400"/>
           </a:xfrm>
           <a:prstGeom prst="bentConnector3">
             <a:avLst>
@@ -3706,8 +3761,8 @@
         </p:nvCxnSpPr>
         <p:spPr>
           <a:xfrm flipV="1">
-            <a:off x="3810000" y="1295400"/>
-            <a:ext cx="457200" cy="533400"/>
+            <a:off x="4038600" y="1295400"/>
+            <a:ext cx="304800" cy="533400"/>
           </a:xfrm>
           <a:prstGeom prst="bentConnector3">
             <a:avLst>
@@ -3773,14 +3828,9 @@
           <a:p>
             <a:pPr algn="ctr"/>
             <a:r>
-              <a:rPr lang="es-ES" b="1" dirty="0" smtClean="0"/>
+              <a:rPr lang="es-ES" b="1" dirty="0"/>
               <a:t>3DHOP</a:t>
             </a:r>
-            <a:endParaRPr lang="es-ES" b="1" dirty="0"/>
-          </a:p>
-          <a:p>
-            <a:pPr algn="ctr"/>
-            <a:endParaRPr lang="es-ES" dirty="0" smtClean="0"/>
           </a:p>
           <a:p>
             <a:pPr algn="ctr"/>
@@ -3788,7 +3838,11 @@
           </a:p>
           <a:p>
             <a:pPr algn="ctr"/>
-            <a:endParaRPr lang="es-ES" dirty="0" smtClean="0"/>
+            <a:endParaRPr lang="es-ES" dirty="0"/>
+          </a:p>
+          <a:p>
+            <a:pPr algn="ctr"/>
+            <a:endParaRPr lang="es-ES" dirty="0"/>
           </a:p>
           <a:p>
             <a:pPr algn="ctr"/>
@@ -3838,11 +3892,11 @@
           <a:p>
             <a:pPr algn="ctr"/>
             <a:r>
-              <a:rPr lang="es-ES" b="1" dirty="0" smtClean="0"/>
+              <a:rPr lang="es-ES" b="1" dirty="0"/>
               <a:t>.</a:t>
             </a:r>
             <a:r>
-              <a:rPr lang="es-ES" b="1" dirty="0" err="1" smtClean="0"/>
+              <a:rPr lang="es-ES" b="1" dirty="0" err="1"/>
               <a:t>html</a:t>
             </a:r>
             <a:endParaRPr lang="es-ES" b="1" dirty="0"/>
@@ -3927,11 +3981,11 @@
           <a:p>
             <a:pPr algn="ctr"/>
             <a:r>
-              <a:rPr lang="es-ES" b="1" dirty="0" smtClean="0"/>
+              <a:rPr lang="es-ES" b="1" dirty="0"/>
               <a:t>.</a:t>
             </a:r>
             <a:r>
-              <a:rPr lang="es-ES" b="1" dirty="0" err="1" smtClean="0"/>
+              <a:rPr lang="es-ES" b="1" dirty="0" err="1"/>
               <a:t>nxz</a:t>
             </a:r>
             <a:endParaRPr lang="es-ES" b="1" dirty="0"/>
@@ -3949,7 +4003,7 @@
         </p:nvCxnSpPr>
         <p:spPr>
           <a:xfrm>
-            <a:off x="5486400" y="1562100"/>
+            <a:off x="5562600" y="1562100"/>
             <a:ext cx="228600" cy="1588"/>
           </a:xfrm>
           <a:prstGeom prst="straightConnector1">
@@ -4135,19 +4189,14 @@
           <a:lstStyle/>
           <a:p>
             <a:pPr algn="ctr"/>
-            <a:endParaRPr lang="es-ES" b="1" dirty="0" smtClean="0"/>
+            <a:endParaRPr lang="es-ES" b="1" dirty="0"/>
           </a:p>
           <a:p>
             <a:pPr algn="ctr"/>
             <a:r>
-              <a:rPr lang="es-ES" b="1" dirty="0" smtClean="0"/>
+              <a:rPr lang="es-ES" b="1" dirty="0"/>
               <a:t>ROCKART</a:t>
             </a:r>
-            <a:endParaRPr lang="es-ES" b="1" dirty="0"/>
-          </a:p>
-          <a:p>
-            <a:pPr algn="ctr"/>
-            <a:endParaRPr lang="es-ES" dirty="0" smtClean="0"/>
           </a:p>
           <a:p>
             <a:pPr algn="ctr"/>
@@ -4155,7 +4204,11 @@
           </a:p>
           <a:p>
             <a:pPr algn="ctr"/>
-            <a:endParaRPr lang="es-ES" dirty="0" smtClean="0"/>
+            <a:endParaRPr lang="es-ES" dirty="0"/>
+          </a:p>
+          <a:p>
+            <a:pPr algn="ctr"/>
+            <a:endParaRPr lang="es-ES" dirty="0"/>
           </a:p>
           <a:p>
             <a:pPr algn="ctr"/>
@@ -4205,11 +4258,11 @@
           <a:p>
             <a:pPr algn="ctr"/>
             <a:r>
-              <a:rPr lang="es-ES" b="1" dirty="0" smtClean="0"/>
+              <a:rPr lang="es-ES" b="1" dirty="0"/>
               <a:t>.</a:t>
             </a:r>
             <a:r>
-              <a:rPr lang="es-ES" b="1" dirty="0" err="1" smtClean="0"/>
+              <a:rPr lang="es-ES" b="1" dirty="0" err="1"/>
               <a:t>html</a:t>
             </a:r>
             <a:endParaRPr lang="es-ES" b="1" dirty="0"/>
@@ -4301,7 +4354,7 @@
           <a:lstStyle/>
           <a:p>
             <a:r>
-              <a:rPr lang="es-ES" sz="2400" b="1" dirty="0" err="1" smtClean="0"/>
+              <a:rPr lang="es-ES" sz="2400" b="1" dirty="0" err="1"/>
               <a:t>GitHub</a:t>
             </a:r>
             <a:endParaRPr lang="es-ES" sz="2400" b="1" dirty="0"/>
@@ -4331,11 +4384,11 @@
           <a:p>
             <a:pPr algn="ctr"/>
             <a:r>
-              <a:rPr lang="es-ES" dirty="0" smtClean="0"/>
+              <a:rPr lang="es-ES" dirty="0"/>
               <a:t>https://</a:t>
             </a:r>
             <a:r>
-              <a:rPr lang="es-ES" sz="1600" dirty="0" smtClean="0"/>
+              <a:rPr lang="es-ES" sz="1600" dirty="0"/>
               <a:t>zoometh.github.io/3DHOP/minimal/lithic_tool.html</a:t>
             </a:r>
             <a:endParaRPr lang="es-ES" dirty="0"/>
